--- a/fig/devops_2.0_v01.pptx
+++ b/fig/devops_2.0_v01.pptx
@@ -2147,14 +2147,14 @@
             <p:ph idx="1"/>
             <p:extLst>
               <p:ext uri="{D42A27DB-BD31-4B8C-83A1-F6EECF244321}">
-                <p14:modId xmlns:p14="http://schemas.microsoft.com/office/powerpoint/2010/main" val="2631647266"/>
+                <p14:modId xmlns:p14="http://schemas.microsoft.com/office/powerpoint/2010/main" val="3175594399"/>
               </p:ext>
             </p:extLst>
           </p:nvPr>
         </p:nvGraphicFramePr>
         <p:xfrm>
           <a:off x="752742" y="204806"/>
-          <a:ext cx="6156600" cy="3703319"/>
+          <a:ext cx="6156600" cy="3850639"/>
         </p:xfrm>
         <a:graphic>
           <a:graphicData uri="http://schemas.openxmlformats.org/drawingml/2006/table">
@@ -2250,7 +2250,6 @@
                         <a:rPr lang="en-US" dirty="0" smtClean="0"/>
                         <a:t>1.</a:t>
                       </a:r>
-                      <a:endParaRPr lang="en-US" dirty="0" smtClean="0"/>
                     </a:p>
                   </a:txBody>
                   <a:tcPr/>
@@ -2279,8 +2278,13 @@
                       </a:pPr>
                       <a:r>
                         <a:rPr lang="en-US" dirty="0" smtClean="0"/>
-                        <a:t>On-premises to Cloud</a:t>
-                      </a:r>
+                        <a:t>On-premises to </a:t>
+                      </a:r>
+                      <a:r>
+                        <a:rPr lang="en-US" dirty="0" smtClean="0"/>
+                        <a:t>cloud</a:t>
+                      </a:r>
+                      <a:endParaRPr lang="en-US" dirty="0" smtClean="0"/>
                     </a:p>
                   </a:txBody>
                   <a:tcPr/>
@@ -2292,7 +2296,23 @@
                     <a:p>
                       <a:r>
                         <a:rPr lang="en-US" dirty="0" smtClean="0"/>
-                        <a:t>Hybrid Cloud &amp; On-premises</a:t>
+                        <a:t>Hybrid </a:t>
+                      </a:r>
+                      <a:r>
+                        <a:rPr lang="en-US" dirty="0" smtClean="0"/>
+                        <a:t>cloud </a:t>
+                      </a:r>
+                      <a:r>
+                        <a:rPr lang="en-US" dirty="0" smtClean="0"/>
+                        <a:t>&amp; </a:t>
+                      </a:r>
+                      <a:r>
+                        <a:rPr lang="en-US" dirty="0" smtClean="0"/>
+                        <a:t>on</a:t>
+                      </a:r>
+                      <a:r>
+                        <a:rPr lang="en-US" dirty="0" smtClean="0"/>
+                        <a:t>-premises</a:t>
                       </a:r>
                       <a:endParaRPr lang="en-US" dirty="0"/>
                     </a:p>
@@ -2322,14 +2342,18 @@
                     <a:p>
                       <a:r>
                         <a:rPr lang="en-US" dirty="0" smtClean="0"/>
-                        <a:t>Centralized versions </a:t>
+                        <a:t>App source in distributed </a:t>
                       </a:r>
                       <a:br>
                         <a:rPr lang="en-US" dirty="0" smtClean="0"/>
                       </a:br>
                       <a:r>
                         <a:rPr lang="en-US" dirty="0" smtClean="0"/>
-                        <a:t>(Subversion)</a:t>
+                        <a:t>version</a:t>
+                      </a:r>
+                      <a:r>
+                        <a:rPr lang="en-US" baseline="0" dirty="0" smtClean="0"/>
+                        <a:t> control (GitHub)</a:t>
                       </a:r>
                       <a:endParaRPr lang="en-US" dirty="0"/>
                     </a:p>
@@ -2343,14 +2367,14 @@
                     <a:p>
                       <a:r>
                         <a:rPr lang="en-US" dirty="0" smtClean="0"/>
-                        <a:t>Distributed versions </a:t>
+                        <a:t>App + infrastructure coding</a:t>
                       </a:r>
                       <a:br>
                         <a:rPr lang="en-US" dirty="0" smtClean="0"/>
                       </a:br>
                       <a:r>
                         <a:rPr lang="en-US" dirty="0" smtClean="0"/>
-                        <a:t>(GitHub)</a:t>
+                        <a:t>in GitHub, Gitlab, Bitbucket</a:t>
                       </a:r>
                       <a:endParaRPr lang="en-US" dirty="0"/>
                     </a:p>
@@ -2460,6 +2484,14 @@
                         <a:rPr lang="en-US" baseline="0" dirty="0" smtClean="0"/>
                         <a:t> </a:t>
                       </a:r>
+                      <a:r>
+                        <a:rPr lang="en-US" baseline="0" dirty="0" smtClean="0"/>
+                        <a:t>duplicate OS</a:t>
+                      </a:r>
+                      <a:r>
+                        <a:rPr lang="en-US" baseline="0" dirty="0" smtClean="0"/>
+                        <a:t/>
+                      </a:r>
                       <a:br>
                         <a:rPr lang="en-US" baseline="0" dirty="0" smtClean="0"/>
                       </a:br>
@@ -2505,6 +2537,14 @@
                       <a:r>
                         <a:rPr lang="en-US" baseline="0" dirty="0" smtClean="0"/>
                         <a:t> </a:t>
+                      </a:r>
+                      <a:r>
+                        <a:rPr lang="en-US" baseline="0" dirty="0" smtClean="0"/>
+                        <a:t>share core</a:t>
+                      </a:r>
+                      <a:r>
+                        <a:rPr lang="en-US" baseline="0" dirty="0" smtClean="0"/>
+                        <a:t/>
                       </a:r>
                       <a:br>
                         <a:rPr lang="en-US" baseline="0" dirty="0" smtClean="0"/>
@@ -2545,7 +2585,6 @@
                         <a:rPr lang="en-US" dirty="0" smtClean="0"/>
                         <a:t>5.</a:t>
                       </a:r>
-                      <a:endParaRPr lang="en-US" dirty="0" smtClean="0"/>
                     </a:p>
                   </a:txBody>
                   <a:tcPr/>
@@ -2586,7 +2625,11 @@
                       </a:r>
                       <a:r>
                         <a:rPr lang="en-US" baseline="0" dirty="0" smtClean="0"/>
-                        <a:t>-party integration</a:t>
+                        <a:t>-party </a:t>
+                      </a:r>
+                      <a:r>
+                        <a:rPr lang="en-US" baseline="0" dirty="0" smtClean="0"/>
+                        <a:t>integrations</a:t>
                       </a:r>
                       <a:endParaRPr lang="en-US" dirty="0" smtClean="0"/>
                     </a:p>
@@ -2612,7 +2655,6 @@
                         <a:rPr lang="en-US" dirty="0" smtClean="0"/>
                         <a:t>(Jenkins, etc.)</a:t>
                       </a:r>
-                      <a:endParaRPr lang="en-US" dirty="0" smtClean="0"/>
                     </a:p>
                   </a:txBody>
                   <a:tcPr/>
@@ -2669,11 +2711,7 @@
                       </a:pPr>
                       <a:r>
                         <a:rPr lang="en-US" dirty="0" smtClean="0"/>
-                        <a:t>(</a:t>
-                      </a:r>
-                      <a:r>
-                        <a:rPr lang="en-US" dirty="0" smtClean="0"/>
-                        <a:t>Shippable)</a:t>
+                        <a:t>(Shippable)</a:t>
                       </a:r>
                     </a:p>
                   </a:txBody>
@@ -2702,11 +2740,34 @@
                     <a:p>
                       <a:r>
                         <a:rPr lang="en-US" dirty="0" smtClean="0"/>
-                        <a:t>Repetition</a:t>
+                        <a:t>Coding</a:t>
                       </a:r>
                       <a:r>
                         <a:rPr lang="en-US" baseline="0" dirty="0" smtClean="0"/>
-                        <a:t> for each environment</a:t>
+                        <a:t> </a:t>
+                      </a:r>
+                      <a:r>
+                        <a:rPr lang="en-US" baseline="0" dirty="0" smtClean="0"/>
+                        <a:t>for </a:t>
+                      </a:r>
+                      <a:r>
+                        <a:rPr lang="en-US" baseline="0" dirty="0" smtClean="0"/>
+                        <a:t>each instance </a:t>
+                      </a:r>
+                      <a:br>
+                        <a:rPr lang="en-US" baseline="0" dirty="0" smtClean="0"/>
+                      </a:br>
+                      <a:r>
+                        <a:rPr lang="en-US" baseline="0" dirty="0" smtClean="0"/>
+                        <a:t>type (test</a:t>
+                      </a:r>
+                      <a:r>
+                        <a:rPr lang="en-US" baseline="0" dirty="0" smtClean="0"/>
+                        <a:t>, beta, prod</a:t>
+                      </a:r>
+                      <a:r>
+                        <a:rPr lang="en-US" baseline="0" dirty="0" smtClean="0"/>
+                        <a:t>.)</a:t>
                       </a:r>
                       <a:endParaRPr lang="en-US" dirty="0"/>
                     </a:p>
@@ -2720,11 +2781,22 @@
                     <a:p>
                       <a:r>
                         <a:rPr lang="en-US" dirty="0" smtClean="0"/>
-                        <a:t>Intelligence on</a:t>
+                        <a:t>Intelligence </a:t>
+                      </a:r>
+                      <a:r>
+                        <a:rPr lang="en-US" dirty="0" smtClean="0"/>
+                        <a:t>for</a:t>
                       </a:r>
                       <a:r>
                         <a:rPr lang="en-US" baseline="0" dirty="0" smtClean="0"/>
-                        <a:t> instances</a:t>
+                        <a:t> each instance</a:t>
+                      </a:r>
+                      <a:br>
+                        <a:rPr lang="en-US" baseline="0" dirty="0" smtClean="0"/>
+                      </a:br>
+                      <a:r>
+                        <a:rPr lang="en-US" baseline="0" dirty="0" smtClean="0"/>
+                        <a:t>type &amp; environment</a:t>
                       </a:r>
                       <a:endParaRPr lang="en-US" dirty="0"/>
                     </a:p>
@@ -2754,11 +2826,7 @@
                     <a:p>
                       <a:r>
                         <a:rPr lang="en-US" dirty="0" smtClean="0"/>
-                        <a:t>Build each </a:t>
-                      </a:r>
-                      <a:r>
-                        <a:rPr lang="en-US" dirty="0" smtClean="0"/>
-                        <a:t>instance</a:t>
+                        <a:t>Build each instance</a:t>
                       </a:r>
                       <a:r>
                         <a:rPr lang="en-US" baseline="0" dirty="0" smtClean="0"/>
@@ -2787,18 +2855,22 @@
                     <a:p>
                       <a:r>
                         <a:rPr lang="en-US" dirty="0" smtClean="0"/>
-                        <a:t>Save build and reuse builds</a:t>
+                        <a:t>Save build </a:t>
+                      </a:r>
+                      <a:r>
+                        <a:rPr lang="en-US" dirty="0" smtClean="0"/>
+                        <a:t>results and reuse</a:t>
+                      </a:r>
+                      <a:r>
+                        <a:rPr lang="en-US" dirty="0" smtClean="0"/>
+                        <a:t/>
                       </a:r>
                       <a:br>
                         <a:rPr lang="en-US" dirty="0" smtClean="0"/>
                       </a:br>
                       <a:r>
                         <a:rPr lang="en-US" dirty="0" smtClean="0"/>
-                        <a:t>(</a:t>
-                      </a:r>
-                      <a:r>
-                        <a:rPr lang="en-US" dirty="0" smtClean="0"/>
-                        <a:t>Artifactory)</a:t>
+                        <a:t>(Artifactory)</a:t>
                       </a:r>
                       <a:endParaRPr lang="en-US" dirty="0"/>
                     </a:p>
@@ -2818,7 +2890,7 @@
         </p:nvSpPr>
         <p:spPr>
           <a:xfrm>
-            <a:off x="672813" y="3887238"/>
+            <a:off x="655051" y="4011586"/>
             <a:ext cx="3830746" cy="205513"/>
           </a:xfrm>
           <a:prstGeom prst="roundRect">
@@ -3171,7 +3243,7 @@
   <a:extraClrSchemeLst/>
   <a:extLst>
     <a:ext uri="{05A4C25C-085E-4340-85A3-A5531E510DB2}">
-      <thm15:themeFamily xmlns="" xmlns:thm15="http://schemas.microsoft.com/office/thememl/2012/main" name="ConcurCorporateTemplate2013_Helvetica_16x9" id="{A09BE1D0-94B0-44B7-9420-2ECF7BB955CC}" vid="{59E5CBDF-7240-4762-BDFB-AAFD424E1AE9}"/>
+      <thm15:themeFamily xmlns:thm15="http://schemas.microsoft.com/office/thememl/2012/main" xmlns="" name="ConcurCorporateTemplate2013_Helvetica_16x9" id="{A09BE1D0-94B0-44B7-9420-2ECF7BB955CC}" vid="{59E5CBDF-7240-4762-BDFB-AAFD424E1AE9}"/>
     </a:ext>
   </a:extLst>
 </a:theme>
